--- a/網頁設計草稿.pptx
+++ b/網頁設計草稿.pptx
@@ -7,6 +7,7 @@
   <p:sldIdLst>
     <p:sldId id="256" r:id="rId2"/>
     <p:sldId id="257" r:id="rId3"/>
+    <p:sldId id="259" r:id="rId4"/>
   </p:sldIdLst>
   <p:sldSz cx="12192000" cy="6858000"/>
   <p:notesSz cx="6858000" cy="9144000"/>
@@ -271,7 +272,7 @@
             <a:fld id="{0FE82310-A512-4049-9B7A-CC4CE64E989D}" type="datetimeFigureOut">
               <a:rPr lang="zh-TW" altLang="en-US" smtClean="0"/>
               <a:pPr/>
-              <a:t>2023/5/21</a:t>
+              <a:t>2023/5/22</a:t>
             </a:fld>
             <a:endParaRPr lang="zh-TW" altLang="en-US"/>
           </a:p>
@@ -482,7 +483,7 @@
           <a:p>
             <a:fld id="{0FE82310-A512-4049-9B7A-CC4CE64E989D}" type="datetimeFigureOut">
               <a:rPr lang="zh-TW" altLang="en-US" smtClean="0"/>
-              <a:t>2023/5/21</a:t>
+              <a:t>2023/5/22</a:t>
             </a:fld>
             <a:endParaRPr lang="zh-TW" altLang="en-US"/>
           </a:p>
@@ -690,7 +691,7 @@
           <a:p>
             <a:fld id="{0FE82310-A512-4049-9B7A-CC4CE64E989D}" type="datetimeFigureOut">
               <a:rPr lang="zh-TW" altLang="en-US" smtClean="0"/>
-              <a:t>2023/5/21</a:t>
+              <a:t>2023/5/22</a:t>
             </a:fld>
             <a:endParaRPr lang="zh-TW" altLang="en-US"/>
           </a:p>
@@ -927,7 +928,7 @@
             <a:fld id="{0FE82310-A512-4049-9B7A-CC4CE64E989D}" type="datetimeFigureOut">
               <a:rPr lang="zh-TW" altLang="en-US" smtClean="0"/>
               <a:pPr/>
-              <a:t>2023/5/21</a:t>
+              <a:t>2023/5/22</a:t>
             </a:fld>
             <a:endParaRPr lang="zh-TW" altLang="en-US"/>
           </a:p>
@@ -1215,7 +1216,7 @@
           <a:p>
             <a:fld id="{0FE82310-A512-4049-9B7A-CC4CE64E989D}" type="datetimeFigureOut">
               <a:rPr lang="zh-TW" altLang="en-US" smtClean="0"/>
-              <a:t>2023/5/21</a:t>
+              <a:t>2023/5/22</a:t>
             </a:fld>
             <a:endParaRPr lang="zh-TW" altLang="en-US"/>
           </a:p>
@@ -1480,7 +1481,7 @@
           <a:p>
             <a:fld id="{0FE82310-A512-4049-9B7A-CC4CE64E989D}" type="datetimeFigureOut">
               <a:rPr lang="zh-TW" altLang="en-US" smtClean="0"/>
-              <a:t>2023/5/21</a:t>
+              <a:t>2023/5/22</a:t>
             </a:fld>
             <a:endParaRPr lang="zh-TW" altLang="en-US"/>
           </a:p>
@@ -1892,7 +1893,7 @@
           <a:p>
             <a:fld id="{0FE82310-A512-4049-9B7A-CC4CE64E989D}" type="datetimeFigureOut">
               <a:rPr lang="zh-TW" altLang="en-US" smtClean="0"/>
-              <a:t>2023/5/21</a:t>
+              <a:t>2023/5/22</a:t>
             </a:fld>
             <a:endParaRPr lang="zh-TW" altLang="en-US"/>
           </a:p>
@@ -2033,7 +2034,7 @@
           <a:p>
             <a:fld id="{0FE82310-A512-4049-9B7A-CC4CE64E989D}" type="datetimeFigureOut">
               <a:rPr lang="zh-TW" altLang="en-US" smtClean="0"/>
-              <a:t>2023/5/21</a:t>
+              <a:t>2023/5/22</a:t>
             </a:fld>
             <a:endParaRPr lang="zh-TW" altLang="en-US"/>
           </a:p>
@@ -2146,7 +2147,7 @@
           <a:p>
             <a:fld id="{0FE82310-A512-4049-9B7A-CC4CE64E989D}" type="datetimeFigureOut">
               <a:rPr lang="zh-TW" altLang="en-US" smtClean="0"/>
-              <a:t>2023/5/21</a:t>
+              <a:t>2023/5/22</a:t>
             </a:fld>
             <a:endParaRPr lang="zh-TW" altLang="en-US"/>
           </a:p>
@@ -2457,7 +2458,7 @@
           <a:p>
             <a:fld id="{0FE82310-A512-4049-9B7A-CC4CE64E989D}" type="datetimeFigureOut">
               <a:rPr lang="zh-TW" altLang="en-US" smtClean="0"/>
-              <a:t>2023/5/21</a:t>
+              <a:t>2023/5/22</a:t>
             </a:fld>
             <a:endParaRPr lang="zh-TW" altLang="en-US"/>
           </a:p>
@@ -2745,7 +2746,7 @@
           <a:p>
             <a:fld id="{0FE82310-A512-4049-9B7A-CC4CE64E989D}" type="datetimeFigureOut">
               <a:rPr lang="zh-TW" altLang="en-US" smtClean="0"/>
-              <a:t>2023/5/21</a:t>
+              <a:t>2023/5/22</a:t>
             </a:fld>
             <a:endParaRPr lang="zh-TW" altLang="en-US"/>
           </a:p>
@@ -2986,7 +2987,7 @@
           <a:p>
             <a:fld id="{0FE82310-A512-4049-9B7A-CC4CE64E989D}" type="datetimeFigureOut">
               <a:rPr lang="zh-TW" altLang="en-US" smtClean="0"/>
-              <a:t>2023/5/21</a:t>
+              <a:t>2023/5/22</a:t>
             </a:fld>
             <a:endParaRPr lang="zh-TW" altLang="en-US"/>
           </a:p>
@@ -5510,6 +5511,489 @@
 </p:sld>
 </file>
 
+<file path=ppt/slides/slide3.xml><?xml version="1.0" encoding="utf-8"?>
+<p:sld xmlns:a="http://schemas.openxmlformats.org/drawingml/2006/main" xmlns:r="http://schemas.openxmlformats.org/officeDocument/2006/relationships" xmlns:p="http://schemas.openxmlformats.org/presentationml/2006/main">
+  <p:cSld>
+    <p:spTree>
+      <p:nvGrpSpPr>
+        <p:cNvPr id="1" name=""/>
+        <p:cNvGrpSpPr/>
+        <p:nvPr/>
+      </p:nvGrpSpPr>
+      <p:grpSpPr>
+        <a:xfrm>
+          <a:off x="0" y="0"/>
+          <a:ext cx="0" cy="0"/>
+          <a:chOff x="0" y="0"/>
+          <a:chExt cx="0" cy="0"/>
+        </a:xfrm>
+      </p:grpSpPr>
+      <p:sp>
+        <p:nvSpPr>
+          <p:cNvPr id="2" name="文字方塊 1">
+            <a:extLst>
+              <a:ext uri="{FF2B5EF4-FFF2-40B4-BE49-F238E27FC236}">
+                <a16:creationId xmlns:a16="http://schemas.microsoft.com/office/drawing/2014/main" id="{A7A20AF6-5799-59C2-5251-E04BDFF0A383}"/>
+              </a:ext>
+            </a:extLst>
+          </p:cNvPr>
+          <p:cNvSpPr txBox="1"/>
+          <p:nvPr/>
+        </p:nvSpPr>
+        <p:spPr>
+          <a:xfrm>
+            <a:off x="572122" y="2273495"/>
+            <a:ext cx="3982946" cy="2308324"/>
+          </a:xfrm>
+          <a:prstGeom prst="rect">
+            <a:avLst/>
+          </a:prstGeom>
+          <a:noFill/>
+        </p:spPr>
+        <p:txBody>
+          <a:bodyPr wrap="square" rtlCol="0">
+            <a:spAutoFit/>
+          </a:bodyPr>
+          <a:lstStyle/>
+          <a:p>
+            <a:r>
+              <a:rPr lang="en-US" altLang="zh-TW" dirty="0">
+                <a:latin typeface="微軟正黑體" panose="020B0604030504040204" pitchFamily="34" charset="-120"/>
+                <a:ea typeface="微軟正黑體" panose="020B0604030504040204" pitchFamily="34" charset="-120"/>
+              </a:rPr>
+              <a:t>Templates</a:t>
+            </a:r>
+          </a:p>
+          <a:p>
+            <a:endParaRPr lang="en-US" altLang="zh-TW" dirty="0">
+              <a:latin typeface="微軟正黑體" panose="020B0604030504040204" pitchFamily="34" charset="-120"/>
+              <a:ea typeface="微軟正黑體" panose="020B0604030504040204" pitchFamily="34" charset="-120"/>
+            </a:endParaRPr>
+          </a:p>
+          <a:p>
+            <a:r>
+              <a:rPr lang="en-US" altLang="zh-TW" dirty="0">
+                <a:latin typeface="微軟正黑體" panose="020B0604030504040204" pitchFamily="34" charset="-120"/>
+                <a:ea typeface="微軟正黑體" panose="020B0604030504040204" pitchFamily="34" charset="-120"/>
+              </a:rPr>
+              <a:t>menu.html</a:t>
+            </a:r>
+          </a:p>
+          <a:p>
+            <a:r>
+              <a:rPr lang="en-US" altLang="zh-TW" dirty="0">
+                <a:latin typeface="微軟正黑體" panose="020B0604030504040204" pitchFamily="34" charset="-120"/>
+                <a:ea typeface="微軟正黑體" panose="020B0604030504040204" pitchFamily="34" charset="-120"/>
+              </a:rPr>
+              <a:t>vehicle_quantity_ranking.html</a:t>
+            </a:r>
+          </a:p>
+          <a:p>
+            <a:r>
+              <a:rPr lang="en-US" altLang="zh-TW" dirty="0">
+                <a:latin typeface="微軟正黑體" panose="020B0604030504040204" pitchFamily="34" charset="-120"/>
+                <a:ea typeface="微軟正黑體" panose="020B0604030504040204" pitchFamily="34" charset="-120"/>
+              </a:rPr>
+              <a:t>car_quantity_ranking.html</a:t>
+            </a:r>
+          </a:p>
+          <a:p>
+            <a:r>
+              <a:rPr lang="en-US" altLang="zh-TW" dirty="0">
+                <a:latin typeface="微軟正黑體" panose="020B0604030504040204" pitchFamily="34" charset="-120"/>
+                <a:ea typeface="微軟正黑體" panose="020B0604030504040204" pitchFamily="34" charset="-120"/>
+              </a:rPr>
+              <a:t>scooter_quantity_ranking.html</a:t>
+            </a:r>
+          </a:p>
+          <a:p>
+            <a:r>
+              <a:rPr lang="en-US" altLang="zh-TW" dirty="0">
+                <a:latin typeface="微軟正黑體" panose="020B0604030504040204" pitchFamily="34" charset="-120"/>
+                <a:ea typeface="微軟正黑體" panose="020B0604030504040204" pitchFamily="34" charset="-120"/>
+              </a:rPr>
+              <a:t>truck_quantity_ranking.html</a:t>
+            </a:r>
+          </a:p>
+          <a:p>
+            <a:r>
+              <a:rPr lang="en-US" altLang="zh-TW" dirty="0">
+                <a:latin typeface="微軟正黑體" panose="020B0604030504040204" pitchFamily="34" charset="-120"/>
+                <a:ea typeface="微軟正黑體" panose="020B0604030504040204" pitchFamily="34" charset="-120"/>
+              </a:rPr>
+              <a:t>bus_quantity_ranking.html</a:t>
+            </a:r>
+          </a:p>
+        </p:txBody>
+      </p:sp>
+      <p:sp>
+        <p:nvSpPr>
+          <p:cNvPr id="3" name="文字方塊 2">
+            <a:extLst>
+              <a:ext uri="{FF2B5EF4-FFF2-40B4-BE49-F238E27FC236}">
+                <a16:creationId xmlns:a16="http://schemas.microsoft.com/office/drawing/2014/main" id="{BA4D3F22-8EAF-0C65-1EEE-51AB0AEEA2BA}"/>
+              </a:ext>
+            </a:extLst>
+          </p:cNvPr>
+          <p:cNvSpPr txBox="1"/>
+          <p:nvPr/>
+        </p:nvSpPr>
+        <p:spPr>
+          <a:xfrm>
+            <a:off x="4027687" y="2949138"/>
+            <a:ext cx="5523879" cy="2585323"/>
+          </a:xfrm>
+          <a:prstGeom prst="rect">
+            <a:avLst/>
+          </a:prstGeom>
+          <a:noFill/>
+        </p:spPr>
+        <p:txBody>
+          <a:bodyPr wrap="square" rtlCol="0">
+            <a:spAutoFit/>
+          </a:bodyPr>
+          <a:lstStyle/>
+          <a:p>
+            <a:r>
+              <a:rPr lang="en-US" altLang="zh-TW" dirty="0">
+                <a:latin typeface="微軟正黑體" panose="020B0604030504040204" pitchFamily="34" charset="-120"/>
+                <a:ea typeface="微軟正黑體" panose="020B0604030504040204" pitchFamily="34" charset="-120"/>
+              </a:rPr>
+              <a:t>vehicle_ growing_up_all.html</a:t>
+            </a:r>
+          </a:p>
+          <a:p>
+            <a:r>
+              <a:rPr lang="en-US" altLang="zh-TW" dirty="0">
+                <a:latin typeface="微軟正黑體" panose="020B0604030504040204" pitchFamily="34" charset="-120"/>
+                <a:ea typeface="微軟正黑體" panose="020B0604030504040204" pitchFamily="34" charset="-120"/>
+              </a:rPr>
+              <a:t>vehicle_ growing_up_TP.html</a:t>
+            </a:r>
+          </a:p>
+          <a:p>
+            <a:r>
+              <a:rPr lang="en-US" altLang="zh-TW" dirty="0">
+                <a:latin typeface="微軟正黑體" panose="020B0604030504040204" pitchFamily="34" charset="-120"/>
+                <a:ea typeface="微軟正黑體" panose="020B0604030504040204" pitchFamily="34" charset="-120"/>
+              </a:rPr>
+              <a:t>vehicle_ growing_up_NP.html</a:t>
+            </a:r>
+          </a:p>
+          <a:p>
+            <a:r>
+              <a:rPr lang="en-US" altLang="zh-TW" dirty="0">
+                <a:latin typeface="微軟正黑體" panose="020B0604030504040204" pitchFamily="34" charset="-120"/>
+                <a:ea typeface="微軟正黑體" panose="020B0604030504040204" pitchFamily="34" charset="-120"/>
+              </a:rPr>
+              <a:t>vehicle_ growing_up_TY.html</a:t>
+            </a:r>
+            <a:endParaRPr lang="zh-TW" altLang="en-US" dirty="0">
+              <a:latin typeface="微軟正黑體" panose="020B0604030504040204" pitchFamily="34" charset="-120"/>
+              <a:ea typeface="微軟正黑體" panose="020B0604030504040204" pitchFamily="34" charset="-120"/>
+            </a:endParaRPr>
+          </a:p>
+          <a:p>
+            <a:r>
+              <a:rPr lang="en-US" altLang="zh-TW" dirty="0">
+                <a:latin typeface="微軟正黑體" panose="020B0604030504040204" pitchFamily="34" charset="-120"/>
+                <a:ea typeface="微軟正黑體" panose="020B0604030504040204" pitchFamily="34" charset="-120"/>
+              </a:rPr>
+              <a:t>vehicle_ growing_up_TC.html</a:t>
+            </a:r>
+            <a:endParaRPr lang="zh-TW" altLang="en-US" dirty="0">
+              <a:latin typeface="微軟正黑體" panose="020B0604030504040204" pitchFamily="34" charset="-120"/>
+              <a:ea typeface="微軟正黑體" panose="020B0604030504040204" pitchFamily="34" charset="-120"/>
+            </a:endParaRPr>
+          </a:p>
+          <a:p>
+            <a:r>
+              <a:rPr lang="en-US" altLang="zh-TW" dirty="0">
+                <a:latin typeface="微軟正黑體" panose="020B0604030504040204" pitchFamily="34" charset="-120"/>
+                <a:ea typeface="微軟正黑體" panose="020B0604030504040204" pitchFamily="34" charset="-120"/>
+              </a:rPr>
+              <a:t>vehicle_ growing_up_TN.html</a:t>
+            </a:r>
+            <a:endParaRPr lang="zh-TW" altLang="en-US" dirty="0">
+              <a:latin typeface="微軟正黑體" panose="020B0604030504040204" pitchFamily="34" charset="-120"/>
+              <a:ea typeface="微軟正黑體" panose="020B0604030504040204" pitchFamily="34" charset="-120"/>
+            </a:endParaRPr>
+          </a:p>
+          <a:p>
+            <a:r>
+              <a:rPr lang="en-US" altLang="zh-TW" dirty="0">
+                <a:latin typeface="微軟正黑體" panose="020B0604030504040204" pitchFamily="34" charset="-120"/>
+                <a:ea typeface="微軟正黑體" panose="020B0604030504040204" pitchFamily="34" charset="-120"/>
+              </a:rPr>
+              <a:t>vehicle_ growing_up_KH.html</a:t>
+            </a:r>
+            <a:endParaRPr lang="zh-TW" altLang="en-US" dirty="0">
+              <a:latin typeface="微軟正黑體" panose="020B0604030504040204" pitchFamily="34" charset="-120"/>
+              <a:ea typeface="微軟正黑體" panose="020B0604030504040204" pitchFamily="34" charset="-120"/>
+            </a:endParaRPr>
+          </a:p>
+          <a:p>
+            <a:endParaRPr lang="zh-TW" altLang="en-US" dirty="0">
+              <a:latin typeface="微軟正黑體" panose="020B0604030504040204" pitchFamily="34" charset="-120"/>
+              <a:ea typeface="微軟正黑體" panose="020B0604030504040204" pitchFamily="34" charset="-120"/>
+            </a:endParaRPr>
+          </a:p>
+          <a:p>
+            <a:endParaRPr lang="zh-TW" altLang="en-US" dirty="0">
+              <a:latin typeface="微軟正黑體" panose="020B0604030504040204" pitchFamily="34" charset="-120"/>
+              <a:ea typeface="微軟正黑體" panose="020B0604030504040204" pitchFamily="34" charset="-120"/>
+            </a:endParaRPr>
+          </a:p>
+        </p:txBody>
+      </p:sp>
+      <p:sp>
+        <p:nvSpPr>
+          <p:cNvPr id="4" name="文字方塊 3">
+            <a:extLst>
+              <a:ext uri="{FF2B5EF4-FFF2-40B4-BE49-F238E27FC236}">
+                <a16:creationId xmlns:a16="http://schemas.microsoft.com/office/drawing/2014/main" id="{168A68A7-994A-8D6B-62ED-B98287B2AEC2}"/>
+              </a:ext>
+            </a:extLst>
+          </p:cNvPr>
+          <p:cNvSpPr txBox="1"/>
+          <p:nvPr/>
+        </p:nvSpPr>
+        <p:spPr>
+          <a:xfrm>
+            <a:off x="7755469" y="2949138"/>
+            <a:ext cx="5523879" cy="1477328"/>
+          </a:xfrm>
+          <a:prstGeom prst="rect">
+            <a:avLst/>
+          </a:prstGeom>
+          <a:noFill/>
+        </p:spPr>
+        <p:txBody>
+          <a:bodyPr wrap="square" rtlCol="0">
+            <a:spAutoFit/>
+          </a:bodyPr>
+          <a:lstStyle/>
+          <a:p>
+            <a:r>
+              <a:rPr lang="en-US" altLang="zh-TW" dirty="0">
+                <a:latin typeface="微軟正黑體" panose="020B0604030504040204" pitchFamily="34" charset="-120"/>
+                <a:ea typeface="微軟正黑體" panose="020B0604030504040204" pitchFamily="34" charset="-120"/>
+              </a:rPr>
+              <a:t>Income_and_vehicle_all.html</a:t>
+            </a:r>
+          </a:p>
+          <a:p>
+            <a:r>
+              <a:rPr lang="en-US" altLang="zh-TW" dirty="0">
+                <a:latin typeface="微軟正黑體" panose="020B0604030504040204" pitchFamily="34" charset="-120"/>
+                <a:ea typeface="微軟正黑體" panose="020B0604030504040204" pitchFamily="34" charset="-120"/>
+              </a:rPr>
+              <a:t>Income_and_vehicle_car.html</a:t>
+            </a:r>
+          </a:p>
+          <a:p>
+            <a:r>
+              <a:rPr lang="en-US" altLang="zh-TW" dirty="0" err="1">
+                <a:latin typeface="微軟正黑體" panose="020B0604030504040204" pitchFamily="34" charset="-120"/>
+                <a:ea typeface="微軟正黑體" panose="020B0604030504040204" pitchFamily="34" charset="-120"/>
+              </a:rPr>
+              <a:t>Income_and_vehicle</a:t>
+            </a:r>
+            <a:r>
+              <a:rPr lang="en-US" altLang="zh-TW" dirty="0">
+                <a:latin typeface="微軟正黑體" panose="020B0604030504040204" pitchFamily="34" charset="-120"/>
+                <a:ea typeface="微軟正黑體" panose="020B0604030504040204" pitchFamily="34" charset="-120"/>
+              </a:rPr>
+              <a:t>_ scooter.html</a:t>
+            </a:r>
+          </a:p>
+          <a:p>
+            <a:endParaRPr lang="zh-TW" altLang="en-US" dirty="0">
+              <a:latin typeface="微軟正黑體" panose="020B0604030504040204" pitchFamily="34" charset="-120"/>
+              <a:ea typeface="微軟正黑體" panose="020B0604030504040204" pitchFamily="34" charset="-120"/>
+            </a:endParaRPr>
+          </a:p>
+          <a:p>
+            <a:endParaRPr lang="zh-TW" altLang="en-US" dirty="0">
+              <a:latin typeface="微軟正黑體" panose="020B0604030504040204" pitchFamily="34" charset="-120"/>
+              <a:ea typeface="微軟正黑體" panose="020B0604030504040204" pitchFamily="34" charset="-120"/>
+            </a:endParaRPr>
+          </a:p>
+        </p:txBody>
+      </p:sp>
+      <p:sp>
+        <p:nvSpPr>
+          <p:cNvPr id="11" name="文字方塊 10">
+            <a:extLst>
+              <a:ext uri="{FF2B5EF4-FFF2-40B4-BE49-F238E27FC236}">
+                <a16:creationId xmlns:a16="http://schemas.microsoft.com/office/drawing/2014/main" id="{2890B359-6C25-D49D-99CE-B46BF631E680}"/>
+              </a:ext>
+            </a:extLst>
+          </p:cNvPr>
+          <p:cNvSpPr txBox="1"/>
+          <p:nvPr/>
+        </p:nvSpPr>
+        <p:spPr>
+          <a:xfrm>
+            <a:off x="7755469" y="4241799"/>
+            <a:ext cx="5523879" cy="1200329"/>
+          </a:xfrm>
+          <a:prstGeom prst="rect">
+            <a:avLst/>
+          </a:prstGeom>
+          <a:noFill/>
+        </p:spPr>
+        <p:txBody>
+          <a:bodyPr wrap="square" rtlCol="0">
+            <a:spAutoFit/>
+          </a:bodyPr>
+          <a:lstStyle/>
+          <a:p>
+            <a:r>
+              <a:rPr lang="en-US" altLang="zh-TW" dirty="0">
+                <a:latin typeface="微軟正黑體" panose="020B0604030504040204" pitchFamily="34" charset="-120"/>
+                <a:ea typeface="微軟正黑體" panose="020B0604030504040204" pitchFamily="34" charset="-120"/>
+              </a:rPr>
+              <a:t>student_and_vehicle_car.html</a:t>
+            </a:r>
+          </a:p>
+          <a:p>
+            <a:r>
+              <a:rPr lang="en-US" altLang="zh-TW" dirty="0">
+                <a:latin typeface="微軟正黑體" panose="020B0604030504040204" pitchFamily="34" charset="-120"/>
+                <a:ea typeface="微軟正黑體" panose="020B0604030504040204" pitchFamily="34" charset="-120"/>
+              </a:rPr>
+              <a:t>student _</a:t>
+            </a:r>
+            <a:r>
+              <a:rPr lang="en-US" altLang="zh-TW" dirty="0" err="1">
+                <a:latin typeface="微軟正黑體" panose="020B0604030504040204" pitchFamily="34" charset="-120"/>
+                <a:ea typeface="微軟正黑體" panose="020B0604030504040204" pitchFamily="34" charset="-120"/>
+              </a:rPr>
+              <a:t>and_vehicle</a:t>
+            </a:r>
+            <a:r>
+              <a:rPr lang="en-US" altLang="zh-TW" dirty="0">
+                <a:latin typeface="微軟正黑體" panose="020B0604030504040204" pitchFamily="34" charset="-120"/>
+                <a:ea typeface="微軟正黑體" panose="020B0604030504040204" pitchFamily="34" charset="-120"/>
+              </a:rPr>
+              <a:t>_ scooter.html</a:t>
+            </a:r>
+          </a:p>
+          <a:p>
+            <a:endParaRPr lang="zh-TW" altLang="en-US" dirty="0">
+              <a:latin typeface="微軟正黑體" panose="020B0604030504040204" pitchFamily="34" charset="-120"/>
+              <a:ea typeface="微軟正黑體" panose="020B0604030504040204" pitchFamily="34" charset="-120"/>
+            </a:endParaRPr>
+          </a:p>
+          <a:p>
+            <a:endParaRPr lang="zh-TW" altLang="en-US" dirty="0">
+              <a:latin typeface="微軟正黑體" panose="020B0604030504040204" pitchFamily="34" charset="-120"/>
+              <a:ea typeface="微軟正黑體" panose="020B0604030504040204" pitchFamily="34" charset="-120"/>
+            </a:endParaRPr>
+          </a:p>
+        </p:txBody>
+      </p:sp>
+      <p:sp>
+        <p:nvSpPr>
+          <p:cNvPr id="12" name="文字方塊 11">
+            <a:extLst>
+              <a:ext uri="{FF2B5EF4-FFF2-40B4-BE49-F238E27FC236}">
+                <a16:creationId xmlns:a16="http://schemas.microsoft.com/office/drawing/2014/main" id="{4D9E1965-0421-DAB2-6E7E-469DB43A62A7}"/>
+              </a:ext>
+            </a:extLst>
+          </p:cNvPr>
+          <p:cNvSpPr txBox="1"/>
+          <p:nvPr/>
+        </p:nvSpPr>
+        <p:spPr>
+          <a:xfrm>
+            <a:off x="572121" y="5349795"/>
+            <a:ext cx="5523879" cy="369332"/>
+          </a:xfrm>
+          <a:prstGeom prst="rect">
+            <a:avLst/>
+          </a:prstGeom>
+          <a:noFill/>
+        </p:spPr>
+        <p:txBody>
+          <a:bodyPr wrap="square" rtlCol="0">
+            <a:spAutoFit/>
+          </a:bodyPr>
+          <a:lstStyle/>
+          <a:p>
+            <a:r>
+              <a:rPr lang="en-US" altLang="zh-TW" dirty="0">
+                <a:latin typeface="微軟正黑體" panose="020B0604030504040204" pitchFamily="34" charset="-120"/>
+                <a:ea typeface="微軟正黑體" panose="020B0604030504040204" pitchFamily="34" charset="-120"/>
+              </a:rPr>
+              <a:t>https://www.motc.gov.tw/ch/index</a:t>
+            </a:r>
+          </a:p>
+        </p:txBody>
+      </p:sp>
+      <p:sp>
+        <p:nvSpPr>
+          <p:cNvPr id="13" name="文字方塊 12">
+            <a:extLst>
+              <a:ext uri="{FF2B5EF4-FFF2-40B4-BE49-F238E27FC236}">
+                <a16:creationId xmlns:a16="http://schemas.microsoft.com/office/drawing/2014/main" id="{459E93F7-41F9-7657-2757-6DBFFE65F022}"/>
+              </a:ext>
+            </a:extLst>
+          </p:cNvPr>
+          <p:cNvSpPr txBox="1"/>
+          <p:nvPr/>
+        </p:nvSpPr>
+        <p:spPr>
+          <a:xfrm>
+            <a:off x="572121" y="888501"/>
+            <a:ext cx="3982946" cy="369332"/>
+          </a:xfrm>
+          <a:prstGeom prst="rect">
+            <a:avLst/>
+          </a:prstGeom>
+          <a:noFill/>
+        </p:spPr>
+        <p:txBody>
+          <a:bodyPr wrap="square" rtlCol="0">
+            <a:spAutoFit/>
+          </a:bodyPr>
+          <a:lstStyle/>
+          <a:p>
+            <a:r>
+              <a:rPr lang="en-US" altLang="zh-TW" dirty="0">
+                <a:latin typeface="微軟正黑體" panose="020B0604030504040204" pitchFamily="34" charset="-120"/>
+                <a:ea typeface="微軟正黑體" panose="020B0604030504040204" pitchFamily="34" charset="-120"/>
+              </a:rPr>
+              <a:t>html</a:t>
+            </a:r>
+            <a:r>
+              <a:rPr lang="zh-TW" altLang="en-US" dirty="0">
+                <a:latin typeface="微軟正黑體" panose="020B0604030504040204" pitchFamily="34" charset="-120"/>
+                <a:ea typeface="微軟正黑體" panose="020B0604030504040204" pitchFamily="34" charset="-120"/>
+              </a:rPr>
+              <a:t>頁面架構</a:t>
+            </a:r>
+            <a:endParaRPr lang="en-US" altLang="zh-TW" dirty="0">
+              <a:latin typeface="微軟正黑體" panose="020B0604030504040204" pitchFamily="34" charset="-120"/>
+              <a:ea typeface="微軟正黑體" panose="020B0604030504040204" pitchFamily="34" charset="-120"/>
+            </a:endParaRPr>
+          </a:p>
+        </p:txBody>
+      </p:sp>
+    </p:spTree>
+    <p:extLst>
+      <p:ext uri="{BB962C8B-B14F-4D97-AF65-F5344CB8AC3E}">
+        <p14:creationId xmlns:p14="http://schemas.microsoft.com/office/powerpoint/2010/main" val="3743125498"/>
+      </p:ext>
+    </p:extLst>
+  </p:cSld>
+  <p:clrMapOvr>
+    <a:masterClrMapping/>
+  </p:clrMapOvr>
+</p:sld>
+</file>
+
 <file path=ppt/theme/theme1.xml><?xml version="1.0" encoding="utf-8"?>
 <a:theme xmlns:a="http://schemas.openxmlformats.org/drawingml/2006/main" name="Office 佈景主題">
   <a:themeElements>
